--- a/Superstore_Dashboard.pptx
+++ b/Superstore_Dashboard.pptx
@@ -3327,7 +3327,7 @@
           <p:cNvPr id="0" name="slide1">
             <a:extLst>
               <a:ext uri="{FF2B5EF4-FFF2-40B4-BE49-F238E27FC236}">
-                <a16:creationId xmlns:a16="http://schemas.microsoft.com/office/drawing/2014/main" id="{634AB747-3990-451D-9E7A-288FD3A9DE15}"/>
+                <a16:creationId xmlns:a16="http://schemas.microsoft.com/office/drawing/2014/main" id="{E5C1099E-885B-4D23-A2D4-FF5EBC5F30EF}"/>
               </a:ext>
             </a:extLst>
           </p:cNvPr>
@@ -3355,7 +3355,7 @@
           <p:cNvPr id="1" name="slide1">
             <a:extLst>
               <a:ext uri="{FF2B5EF4-FFF2-40B4-BE49-F238E27FC236}">
-                <a16:creationId xmlns:a16="http://schemas.microsoft.com/office/drawing/2014/main" id="{DFEFA7F4-0653-479C-B52B-F01C90547D1C}"/>
+                <a16:creationId xmlns:a16="http://schemas.microsoft.com/office/drawing/2014/main" id="{E690B706-B9B5-4BD0-9CD5-DAAB67A2151F}"/>
               </a:ext>
             </a:extLst>
           </p:cNvPr>
@@ -3373,7 +3373,7 @@
           <a:p>
             <a:r>
               <a:rPr/>
-              <a:t>File created on: 07.11.24 01:55:47 CET</a:t>
+              <a:t>File created on: 07.11.24 02:29:38 CET</a:t>
             </a:r>
           </a:p>
         </p:txBody>
@@ -3413,7 +3413,7 @@
           <p:cNvPr descr="Dashboard 1" id="2" name="slide2">
             <a:extLst>
               <a:ext uri="{FF2B5EF4-FFF2-40B4-BE49-F238E27FC236}">
-                <a16:creationId xmlns:a16="http://schemas.microsoft.com/office/drawing/2014/main" id="{5AF579B2-2317-4B29-B728-34E8765A816C}"/>
+                <a16:creationId xmlns:a16="http://schemas.microsoft.com/office/drawing/2014/main" id="{59683210-CD51-4457-A600-E7301C3F22C6}"/>
               </a:ext>
             </a:extLst>
           </p:cNvPr>
